--- a/An Introduction to machine learning with Random Forests.pptx
+++ b/An Introduction to machine learning with Random Forests.pptx
@@ -3760,12 +3760,8 @@
           <a:lstStyle/>
           <a:p>
             <a:r>
-              <a:rPr lang="en-GB" dirty="0" smtClean="0"/>
-              <a:t>Example </a:t>
-            </a:r>
-            <a:r>
-              <a:rPr lang="en-GB" dirty="0" smtClean="0"/>
-              <a:t>1</a:t>
+              <a:rPr lang="en-GB" smtClean="0"/>
+              <a:t>Example</a:t>
             </a:r>
             <a:endParaRPr lang="en-GB" dirty="0"/>
           </a:p>

--- a/An Introduction to machine learning with Random Forests.pptx
+++ b/An Introduction to machine learning with Random Forests.pptx
@@ -5,7 +5,7 @@
     <p:sldMasterId id="2147483648" r:id="rId1"/>
   </p:sldMasterIdLst>
   <p:notesMasterIdLst>
-    <p:notesMasterId r:id="rId12"/>
+    <p:notesMasterId r:id="rId13"/>
   </p:notesMasterIdLst>
   <p:sldIdLst>
     <p:sldId id="257" r:id="rId2"/>
@@ -16,8 +16,9 @@
     <p:sldId id="261" r:id="rId7"/>
     <p:sldId id="264" r:id="rId8"/>
     <p:sldId id="263" r:id="rId9"/>
-    <p:sldId id="269" r:id="rId10"/>
-    <p:sldId id="266" r:id="rId11"/>
+    <p:sldId id="271" r:id="rId10"/>
+    <p:sldId id="269" r:id="rId11"/>
+    <p:sldId id="266" r:id="rId12"/>
   </p:sldIdLst>
   <p:sldSz cx="12192000" cy="6858000"/>
   <p:notesSz cx="6858000" cy="9144000"/>
@@ -3746,6 +3747,202 @@
       </p:grpSpPr>
       <p:sp>
         <p:nvSpPr>
+          <p:cNvPr id="2" name="Title 1"/>
+          <p:cNvSpPr>
+            <a:spLocks noGrp="1"/>
+          </p:cNvSpPr>
+          <p:nvPr>
+            <p:ph type="title"/>
+          </p:nvPr>
+        </p:nvSpPr>
+        <p:spPr/>
+        <p:txBody>
+          <a:bodyPr/>
+          <a:lstStyle/>
+          <a:p>
+            <a:r>
+              <a:rPr lang="en-GB" dirty="0" err="1" smtClean="0"/>
+              <a:t>Scikit</a:t>
+            </a:r>
+            <a:r>
+              <a:rPr lang="en-GB" dirty="0" smtClean="0"/>
+              <a:t>-learn – machine learning with python</a:t>
+            </a:r>
+          </a:p>
+        </p:txBody>
+      </p:sp>
+      <p:sp>
+        <p:nvSpPr>
+          <p:cNvPr id="5" name="Content Placeholder 4"/>
+          <p:cNvSpPr>
+            <a:spLocks noGrp="1"/>
+          </p:cNvSpPr>
+          <p:nvPr>
+            <p:ph idx="1"/>
+          </p:nvPr>
+        </p:nvSpPr>
+        <p:spPr/>
+        <p:txBody>
+          <a:bodyPr>
+            <a:normAutofit fontScale="70000" lnSpcReduction="20000"/>
+          </a:bodyPr>
+          <a:lstStyle/>
+          <a:p>
+            <a:r>
+              <a:rPr lang="en-GB" dirty="0" smtClean="0"/>
+              <a:t>Many different machine learning algorithms available</a:t>
+            </a:r>
+          </a:p>
+          <a:p>
+            <a:endParaRPr lang="en-GB" dirty="0" smtClean="0"/>
+          </a:p>
+          <a:p>
+            <a:r>
+              <a:rPr lang="en-GB" dirty="0" smtClean="0"/>
+              <a:t>Built in functions for splitting data, cross validation, hyper-parameter sensitivity testing etc.</a:t>
+            </a:r>
+            <a:endParaRPr lang="en-GB" dirty="0"/>
+          </a:p>
+          <a:p>
+            <a:endParaRPr lang="en-GB" dirty="0" smtClean="0"/>
+          </a:p>
+          <a:p>
+            <a:r>
+              <a:rPr lang="en-GB" dirty="0" smtClean="0"/>
+              <a:t>Key hyper-parameters in RF implementation:</a:t>
+            </a:r>
+          </a:p>
+          <a:p>
+            <a:endParaRPr lang="en-GB" dirty="0" smtClean="0"/>
+          </a:p>
+          <a:p>
+            <a:pPr lvl="1"/>
+            <a:r>
+              <a:rPr lang="en-GB" dirty="0" smtClean="0"/>
+              <a:t>number of trees in forest (</a:t>
+            </a:r>
+            <a:r>
+              <a:rPr lang="en-GB" dirty="0" err="1" smtClean="0"/>
+              <a:t>n_estimators</a:t>
+            </a:r>
+            <a:r>
+              <a:rPr lang="en-GB" dirty="0" smtClean="0"/>
+              <a:t>)</a:t>
+            </a:r>
+          </a:p>
+          <a:p>
+            <a:pPr lvl="1"/>
+            <a:endParaRPr lang="en-GB" dirty="0" smtClean="0"/>
+          </a:p>
+          <a:p>
+            <a:pPr lvl="1"/>
+            <a:r>
+              <a:rPr lang="en-GB" dirty="0" smtClean="0"/>
+              <a:t>max number of variables considered for splitting a node (</a:t>
+            </a:r>
+            <a:r>
+              <a:rPr lang="en-GB" dirty="0" err="1" smtClean="0"/>
+              <a:t>max_features</a:t>
+            </a:r>
+            <a:r>
+              <a:rPr lang="en-GB" dirty="0" smtClean="0"/>
+              <a:t>)</a:t>
+            </a:r>
+          </a:p>
+          <a:p>
+            <a:pPr lvl="1"/>
+            <a:endParaRPr lang="en-GB" dirty="0" smtClean="0"/>
+          </a:p>
+          <a:p>
+            <a:pPr lvl="1"/>
+            <a:r>
+              <a:rPr lang="en-GB" dirty="0" smtClean="0"/>
+              <a:t>max number of levels in decision tree (</a:t>
+            </a:r>
+            <a:r>
+              <a:rPr lang="en-GB" dirty="0" err="1" smtClean="0"/>
+              <a:t>max_depth</a:t>
+            </a:r>
+            <a:r>
+              <a:rPr lang="en-GB" dirty="0" smtClean="0"/>
+              <a:t>)</a:t>
+            </a:r>
+          </a:p>
+          <a:p>
+            <a:pPr lvl="1"/>
+            <a:endParaRPr lang="en-GB" dirty="0" smtClean="0"/>
+          </a:p>
+          <a:p>
+            <a:pPr lvl="1"/>
+            <a:r>
+              <a:rPr lang="en-GB" dirty="0" smtClean="0"/>
+              <a:t>min data required before node is split (</a:t>
+            </a:r>
+            <a:r>
+              <a:rPr lang="en-GB" dirty="0" err="1" smtClean="0"/>
+              <a:t>min_samples_split</a:t>
+            </a:r>
+            <a:r>
+              <a:rPr lang="en-GB" dirty="0" smtClean="0"/>
+              <a:t>)</a:t>
+            </a:r>
+          </a:p>
+          <a:p>
+            <a:pPr lvl="1"/>
+            <a:endParaRPr lang="en-GB" dirty="0" smtClean="0"/>
+          </a:p>
+          <a:p>
+            <a:pPr lvl="1"/>
+            <a:r>
+              <a:rPr lang="en-GB" dirty="0" smtClean="0"/>
+              <a:t>min data allowed within a given leaf node (</a:t>
+            </a:r>
+            <a:r>
+              <a:rPr lang="en-GB" dirty="0" err="1" smtClean="0"/>
+              <a:t>min_samples_leaf</a:t>
+            </a:r>
+            <a:r>
+              <a:rPr lang="en-GB" dirty="0" smtClean="0"/>
+              <a:t>)</a:t>
+            </a:r>
+          </a:p>
+          <a:p>
+            <a:endParaRPr lang="en-GB" dirty="0"/>
+          </a:p>
+        </p:txBody>
+      </p:sp>
+    </p:spTree>
+    <p:extLst>
+      <p:ext uri="{BB962C8B-B14F-4D97-AF65-F5344CB8AC3E}">
+        <p14:creationId xmlns:p14="http://schemas.microsoft.com/office/powerpoint/2010/main" val="952455446"/>
+      </p:ext>
+    </p:extLst>
+  </p:cSld>
+  <p:clrMapOvr>
+    <a:masterClrMapping/>
+  </p:clrMapOvr>
+</p:sld>
+</file>
+
+<file path=ppt/slides/slide11.xml><?xml version="1.0" encoding="utf-8"?>
+<p:sld xmlns:a="http://schemas.openxmlformats.org/drawingml/2006/main" xmlns:r="http://schemas.openxmlformats.org/officeDocument/2006/relationships" xmlns:p="http://schemas.openxmlformats.org/presentationml/2006/main">
+  <p:cSld>
+    <p:spTree>
+      <p:nvGrpSpPr>
+        <p:cNvPr id="1" name=""/>
+        <p:cNvGrpSpPr/>
+        <p:nvPr/>
+      </p:nvGrpSpPr>
+      <p:grpSpPr>
+        <a:xfrm>
+          <a:off x="0" y="0"/>
+          <a:ext cx="0" cy="0"/>
+          <a:chOff x="0" y="0"/>
+          <a:chExt cx="0" cy="0"/>
+        </a:xfrm>
+      </p:grpSpPr>
+      <p:sp>
+        <p:nvSpPr>
           <p:cNvPr id="4" name="Title 3"/>
           <p:cNvSpPr>
             <a:spLocks noGrp="1"/>
@@ -3760,7 +3957,7 @@
           <a:lstStyle/>
           <a:p>
             <a:r>
-              <a:rPr lang="en-GB" smtClean="0"/>
+              <a:rPr lang="en-GB" dirty="0" smtClean="0"/>
               <a:t>Example</a:t>
             </a:r>
             <a:endParaRPr lang="en-GB" dirty="0"/>
@@ -4942,13 +5139,18 @@
           <a:lstStyle/>
           <a:p>
             <a:r>
-              <a:rPr lang="en-GB" dirty="0" err="1" smtClean="0"/>
-              <a:t>Scikit</a:t>
-            </a:r>
-            <a:r>
-              <a:rPr lang="en-GB" dirty="0" smtClean="0"/>
-              <a:t>-learn – machine learning with python</a:t>
-            </a:r>
+              <a:rPr lang="en-GB" dirty="0" smtClean="0">
+                <a:solidFill>
+                  <a:srgbClr val="FF0000"/>
+                </a:solidFill>
+              </a:rPr>
+              <a:t>Cautionary Notes 2</a:t>
+            </a:r>
+            <a:endParaRPr lang="en-GB" dirty="0" smtClean="0">
+              <a:solidFill>
+                <a:srgbClr val="FF0000"/>
+              </a:solidFill>
+            </a:endParaRPr>
           </a:p>
         </p:txBody>
       </p:sp>
@@ -4971,7 +5173,16 @@
           <a:p>
             <a:r>
               <a:rPr lang="en-GB" dirty="0" smtClean="0"/>
-              <a:t>Many different machine learning algorithms available</a:t>
+              <a:t>Flexible and easy to use, but not perfect!</a:t>
+            </a:r>
+          </a:p>
+          <a:p>
+            <a:endParaRPr lang="en-GB" dirty="0"/>
+          </a:p>
+          <a:p>
+            <a:r>
+              <a:rPr lang="en-GB" dirty="0" smtClean="0"/>
+              <a:t>Only as good as your data</a:t>
             </a:r>
           </a:p>
           <a:p>
@@ -4980,122 +5191,79 @@
           <a:p>
             <a:r>
               <a:rPr lang="en-GB" dirty="0" smtClean="0"/>
-              <a:t>Built in functions for splitting data, cross validation, hyper-parameter sensitivity testing etc.</a:t>
+              <a:t>Behaves differently to parametric regression models</a:t>
             </a:r>
             <a:endParaRPr lang="en-GB" dirty="0"/>
           </a:p>
           <a:p>
+            <a:pPr lvl="1"/>
+            <a:r>
+              <a:rPr lang="en-GB" dirty="0" smtClean="0"/>
+              <a:t>Cannot extrapolate</a:t>
+            </a:r>
+          </a:p>
+          <a:p>
+            <a:pPr lvl="1"/>
+            <a:r>
+              <a:rPr lang="en-GB" dirty="0" smtClean="0"/>
+              <a:t>Struggles to interpolate across holes in parameter space (</a:t>
+            </a:r>
+            <a:r>
+              <a:rPr lang="en-GB" i="1" dirty="0" smtClean="0"/>
+              <a:t>may not always be desired though</a:t>
+            </a:r>
+            <a:r>
+              <a:rPr lang="en-GB" dirty="0" smtClean="0"/>
+              <a:t>)</a:t>
+            </a:r>
+          </a:p>
+          <a:p>
             <a:endParaRPr lang="en-GB" dirty="0" smtClean="0"/>
           </a:p>
           <a:p>
             <a:r>
               <a:rPr lang="en-GB" dirty="0" smtClean="0"/>
-              <a:t>Key hyper-parameters in RF implementation:</a:t>
-            </a:r>
-          </a:p>
-          <a:p>
-            <a:endParaRPr lang="en-GB" dirty="0" smtClean="0"/>
-          </a:p>
-          <a:p>
-            <a:pPr lvl="1"/>
-            <a:r>
-              <a:rPr lang="en-GB" dirty="0" smtClean="0"/>
-              <a:t>number of trees in forest (</a:t>
-            </a:r>
-            <a:r>
-              <a:rPr lang="en-GB" dirty="0" err="1" smtClean="0"/>
-              <a:t>n_estimators</a:t>
-            </a:r>
-            <a:r>
-              <a:rPr lang="en-GB" dirty="0" smtClean="0"/>
-              <a:t>)</a:t>
-            </a:r>
-          </a:p>
-          <a:p>
-            <a:pPr lvl="1"/>
-            <a:endParaRPr lang="en-GB" dirty="0" smtClean="0"/>
-          </a:p>
-          <a:p>
-            <a:pPr lvl="1"/>
-            <a:r>
-              <a:rPr lang="en-GB" dirty="0" smtClean="0"/>
-              <a:t>max number of variables considered for splitting a node (</a:t>
-            </a:r>
-            <a:r>
-              <a:rPr lang="en-GB" dirty="0" err="1" smtClean="0"/>
-              <a:t>max_features</a:t>
-            </a:r>
-            <a:r>
-              <a:rPr lang="en-GB" dirty="0" smtClean="0"/>
-              <a:t>)</a:t>
-            </a:r>
-          </a:p>
-          <a:p>
-            <a:pPr lvl="1"/>
-            <a:endParaRPr lang="en-GB" dirty="0" smtClean="0"/>
-          </a:p>
-          <a:p>
-            <a:pPr lvl="1"/>
-            <a:r>
-              <a:rPr lang="en-GB" dirty="0" smtClean="0"/>
-              <a:t>max number of levels in decision tree (</a:t>
-            </a:r>
-            <a:r>
-              <a:rPr lang="en-GB" dirty="0" err="1" smtClean="0"/>
-              <a:t>max_depth</a:t>
-            </a:r>
-            <a:r>
-              <a:rPr lang="en-GB" dirty="0" smtClean="0"/>
-              <a:t>)</a:t>
-            </a:r>
-          </a:p>
-          <a:p>
-            <a:pPr lvl="1"/>
-            <a:endParaRPr lang="en-GB" dirty="0" smtClean="0"/>
-          </a:p>
-          <a:p>
-            <a:pPr lvl="1"/>
-            <a:r>
-              <a:rPr lang="en-GB" dirty="0" smtClean="0"/>
-              <a:t>min data required before node is split (</a:t>
-            </a:r>
-            <a:r>
-              <a:rPr lang="en-GB" dirty="0" err="1" smtClean="0"/>
-              <a:t>min_samples_split</a:t>
-            </a:r>
-            <a:r>
-              <a:rPr lang="en-GB" dirty="0" smtClean="0"/>
-              <a:t>)</a:t>
-            </a:r>
-          </a:p>
-          <a:p>
-            <a:pPr lvl="1"/>
-            <a:endParaRPr lang="en-GB" dirty="0" smtClean="0"/>
-          </a:p>
-          <a:p>
-            <a:pPr lvl="1"/>
-            <a:r>
-              <a:rPr lang="en-GB" dirty="0" smtClean="0"/>
-              <a:t>min data allowed within a given leaf node (</a:t>
-            </a:r>
-            <a:r>
-              <a:rPr lang="en-GB" dirty="0" err="1" smtClean="0"/>
-              <a:t>min_samples_leaf</a:t>
-            </a:r>
-            <a:r>
-              <a:rPr lang="en-GB" dirty="0" smtClean="0"/>
-              <a:t>)</a:t>
+              <a:t>Overfitting!</a:t>
             </a:r>
           </a:p>
           <a:p>
             <a:endParaRPr lang="en-GB" dirty="0"/>
+          </a:p>
+          <a:p>
+            <a:r>
+              <a:rPr lang="en-GB" dirty="0" smtClean="0"/>
+              <a:t>Under-prediction of extremes/tendency </a:t>
+            </a:r>
+            <a:r>
+              <a:rPr lang="en-GB" smtClean="0"/>
+              <a:t>towards the mean</a:t>
+            </a:r>
+            <a:endParaRPr lang="en-GB" dirty="0"/>
+          </a:p>
+          <a:p>
+            <a:endParaRPr lang="en-GB" dirty="0"/>
+          </a:p>
+          <a:p>
+            <a:r>
+              <a:rPr lang="en-GB" dirty="0" smtClean="0"/>
+              <a:t>Can be difficult to decipher the functional </a:t>
+            </a:r>
+            <a:r>
+              <a:rPr lang="en-GB" i="1" dirty="0" smtClean="0"/>
+              <a:t>effect </a:t>
+            </a:r>
+            <a:r>
+              <a:rPr lang="en-GB" dirty="0" smtClean="0"/>
+              <a:t>of particular variables</a:t>
+            </a:r>
+            <a:endParaRPr lang="en-GB" i="1" dirty="0"/>
           </a:p>
         </p:txBody>
       </p:sp>
     </p:spTree>
     <p:extLst>
       <p:ext uri="{BB962C8B-B14F-4D97-AF65-F5344CB8AC3E}">
-        <p14:creationId xmlns:p14="http://schemas.microsoft.com/office/powerpoint/2010/main" val="952455446"/>
+        <p14:creationId xmlns:p14="http://schemas.microsoft.com/office/powerpoint/2010/main" val="2127160742"/>
       </p:ext>
     </p:extLst>
   </p:cSld>
